--- a/materials/documentation/eDyscalculia App Wireframe - User.pptx
+++ b/materials/documentation/eDyscalculia App Wireframe - User.pptx
@@ -254,7 +254,7 @@
           <a:p>
             <a:fld id="{101881B7-76EF-4B04-9C34-D3583E3944EF}" type="datetimeFigureOut">
               <a:rPr lang="en-PH" smtClean="0"/>
-              <a:t>1/12/2018</a:t>
+              <a:t>1/15/2018</a:t>
             </a:fld>
             <a:endParaRPr lang="en-PH"/>
           </a:p>
@@ -653,7 +653,7 @@
           <a:p>
             <a:fld id="{D1C7A99B-1870-45E6-A2F7-F806AAA7BFA2}" type="datetimeFigureOut">
               <a:rPr lang="en-PH" smtClean="0"/>
-              <a:t>1/12/2018</a:t>
+              <a:t>1/15/2018</a:t>
             </a:fld>
             <a:endParaRPr lang="en-PH"/>
           </a:p>
@@ -823,7 +823,7 @@
           <a:p>
             <a:fld id="{D1C7A99B-1870-45E6-A2F7-F806AAA7BFA2}" type="datetimeFigureOut">
               <a:rPr lang="en-PH" smtClean="0"/>
-              <a:t>1/12/2018</a:t>
+              <a:t>1/15/2018</a:t>
             </a:fld>
             <a:endParaRPr lang="en-PH"/>
           </a:p>
@@ -1003,7 +1003,7 @@
           <a:p>
             <a:fld id="{D1C7A99B-1870-45E6-A2F7-F806AAA7BFA2}" type="datetimeFigureOut">
               <a:rPr lang="en-PH" smtClean="0"/>
-              <a:t>1/12/2018</a:t>
+              <a:t>1/15/2018</a:t>
             </a:fld>
             <a:endParaRPr lang="en-PH"/>
           </a:p>
@@ -1173,7 +1173,7 @@
           <a:p>
             <a:fld id="{D1C7A99B-1870-45E6-A2F7-F806AAA7BFA2}" type="datetimeFigureOut">
               <a:rPr lang="en-PH" smtClean="0"/>
-              <a:t>1/12/2018</a:t>
+              <a:t>1/15/2018</a:t>
             </a:fld>
             <a:endParaRPr lang="en-PH"/>
           </a:p>
@@ -1419,7 +1419,7 @@
           <a:p>
             <a:fld id="{D1C7A99B-1870-45E6-A2F7-F806AAA7BFA2}" type="datetimeFigureOut">
               <a:rPr lang="en-PH" smtClean="0"/>
-              <a:t>1/12/2018</a:t>
+              <a:t>1/15/2018</a:t>
             </a:fld>
             <a:endParaRPr lang="en-PH"/>
           </a:p>
@@ -1651,7 +1651,7 @@
           <a:p>
             <a:fld id="{D1C7A99B-1870-45E6-A2F7-F806AAA7BFA2}" type="datetimeFigureOut">
               <a:rPr lang="en-PH" smtClean="0"/>
-              <a:t>1/12/2018</a:t>
+              <a:t>1/15/2018</a:t>
             </a:fld>
             <a:endParaRPr lang="en-PH"/>
           </a:p>
@@ -2018,7 +2018,7 @@
           <a:p>
             <a:fld id="{D1C7A99B-1870-45E6-A2F7-F806AAA7BFA2}" type="datetimeFigureOut">
               <a:rPr lang="en-PH" smtClean="0"/>
-              <a:t>1/12/2018</a:t>
+              <a:t>1/15/2018</a:t>
             </a:fld>
             <a:endParaRPr lang="en-PH"/>
           </a:p>
@@ -2136,7 +2136,7 @@
           <a:p>
             <a:fld id="{D1C7A99B-1870-45E6-A2F7-F806AAA7BFA2}" type="datetimeFigureOut">
               <a:rPr lang="en-PH" smtClean="0"/>
-              <a:t>1/12/2018</a:t>
+              <a:t>1/15/2018</a:t>
             </a:fld>
             <a:endParaRPr lang="en-PH"/>
           </a:p>
@@ -2231,7 +2231,7 @@
           <a:p>
             <a:fld id="{D1C7A99B-1870-45E6-A2F7-F806AAA7BFA2}" type="datetimeFigureOut">
               <a:rPr lang="en-PH" smtClean="0"/>
-              <a:t>1/12/2018</a:t>
+              <a:t>1/15/2018</a:t>
             </a:fld>
             <a:endParaRPr lang="en-PH"/>
           </a:p>
@@ -2508,7 +2508,7 @@
           <a:p>
             <a:fld id="{D1C7A99B-1870-45E6-A2F7-F806AAA7BFA2}" type="datetimeFigureOut">
               <a:rPr lang="en-PH" smtClean="0"/>
-              <a:t>1/12/2018</a:t>
+              <a:t>1/15/2018</a:t>
             </a:fld>
             <a:endParaRPr lang="en-PH"/>
           </a:p>
@@ -2761,7 +2761,7 @@
           <a:p>
             <a:fld id="{D1C7A99B-1870-45E6-A2F7-F806AAA7BFA2}" type="datetimeFigureOut">
               <a:rPr lang="en-PH" smtClean="0"/>
-              <a:t>1/12/2018</a:t>
+              <a:t>1/15/2018</a:t>
             </a:fld>
             <a:endParaRPr lang="en-PH"/>
           </a:p>
@@ -2974,7 +2974,7 @@
           <a:p>
             <a:fld id="{D1C7A99B-1870-45E6-A2F7-F806AAA7BFA2}" type="datetimeFigureOut">
               <a:rPr lang="en-PH" smtClean="0"/>
-              <a:t>1/12/2018</a:t>
+              <a:t>1/15/2018</a:t>
             </a:fld>
             <a:endParaRPr lang="en-PH"/>
           </a:p>
